--- a/Study/9. UML.pptx
+++ b/Study/9. UML.pptx
@@ -211,7 +211,7 @@
           <a:p>
             <a:fld id="{8DD9E706-E0BA-4FBD-AF15-9E3682821587}" type="datetimeFigureOut">
               <a:rPr lang="ko-KR" altLang="en-US" smtClean="0"/>
-              <a:t>2018-12-18</a:t>
+              <a:t>2018-12-20</a:t>
             </a:fld>
             <a:endParaRPr lang="ko-KR" altLang="en-US"/>
           </a:p>
@@ -3328,7 +3328,7 @@
           <a:p>
             <a:fld id="{46A2558D-9475-4DD4-8F32-96381613298F}" type="datetimeFigureOut">
               <a:rPr lang="ko-KR" altLang="en-US" smtClean="0"/>
-              <a:t>2018-12-18</a:t>
+              <a:t>2018-12-20</a:t>
             </a:fld>
             <a:endParaRPr lang="ko-KR" altLang="en-US"/>
           </a:p>
@@ -3526,7 +3526,7 @@
           <a:p>
             <a:fld id="{46A2558D-9475-4DD4-8F32-96381613298F}" type="datetimeFigureOut">
               <a:rPr lang="ko-KR" altLang="en-US" smtClean="0"/>
-              <a:t>2018-12-18</a:t>
+              <a:t>2018-12-20</a:t>
             </a:fld>
             <a:endParaRPr lang="ko-KR" altLang="en-US"/>
           </a:p>
@@ -3734,7 +3734,7 @@
           <a:p>
             <a:fld id="{46A2558D-9475-4DD4-8F32-96381613298F}" type="datetimeFigureOut">
               <a:rPr lang="ko-KR" altLang="en-US" smtClean="0"/>
-              <a:t>2018-12-18</a:t>
+              <a:t>2018-12-20</a:t>
             </a:fld>
             <a:endParaRPr lang="ko-KR" altLang="en-US"/>
           </a:p>
@@ -3932,7 +3932,7 @@
           <a:p>
             <a:fld id="{46A2558D-9475-4DD4-8F32-96381613298F}" type="datetimeFigureOut">
               <a:rPr lang="ko-KR" altLang="en-US" smtClean="0"/>
-              <a:t>2018-12-18</a:t>
+              <a:t>2018-12-20</a:t>
             </a:fld>
             <a:endParaRPr lang="ko-KR" altLang="en-US"/>
           </a:p>
@@ -4207,7 +4207,7 @@
           <a:p>
             <a:fld id="{46A2558D-9475-4DD4-8F32-96381613298F}" type="datetimeFigureOut">
               <a:rPr lang="ko-KR" altLang="en-US" smtClean="0"/>
-              <a:t>2018-12-18</a:t>
+              <a:t>2018-12-20</a:t>
             </a:fld>
             <a:endParaRPr lang="ko-KR" altLang="en-US"/>
           </a:p>
@@ -4472,7 +4472,7 @@
           <a:p>
             <a:fld id="{46A2558D-9475-4DD4-8F32-96381613298F}" type="datetimeFigureOut">
               <a:rPr lang="ko-KR" altLang="en-US" smtClean="0"/>
-              <a:t>2018-12-18</a:t>
+              <a:t>2018-12-20</a:t>
             </a:fld>
             <a:endParaRPr lang="ko-KR" altLang="en-US"/>
           </a:p>
@@ -4884,7 +4884,7 @@
           <a:p>
             <a:fld id="{46A2558D-9475-4DD4-8F32-96381613298F}" type="datetimeFigureOut">
               <a:rPr lang="ko-KR" altLang="en-US" smtClean="0"/>
-              <a:t>2018-12-18</a:t>
+              <a:t>2018-12-20</a:t>
             </a:fld>
             <a:endParaRPr lang="ko-KR" altLang="en-US"/>
           </a:p>
@@ -5025,7 +5025,7 @@
           <a:p>
             <a:fld id="{46A2558D-9475-4DD4-8F32-96381613298F}" type="datetimeFigureOut">
               <a:rPr lang="ko-KR" altLang="en-US" smtClean="0"/>
-              <a:t>2018-12-18</a:t>
+              <a:t>2018-12-20</a:t>
             </a:fld>
             <a:endParaRPr lang="ko-KR" altLang="en-US"/>
           </a:p>
@@ -5138,7 +5138,7 @@
           <a:p>
             <a:fld id="{46A2558D-9475-4DD4-8F32-96381613298F}" type="datetimeFigureOut">
               <a:rPr lang="ko-KR" altLang="en-US" smtClean="0"/>
-              <a:t>2018-12-18</a:t>
+              <a:t>2018-12-20</a:t>
             </a:fld>
             <a:endParaRPr lang="ko-KR" altLang="en-US"/>
           </a:p>
@@ -5449,7 +5449,7 @@
           <a:p>
             <a:fld id="{46A2558D-9475-4DD4-8F32-96381613298F}" type="datetimeFigureOut">
               <a:rPr lang="ko-KR" altLang="en-US" smtClean="0"/>
-              <a:t>2018-12-18</a:t>
+              <a:t>2018-12-20</a:t>
             </a:fld>
             <a:endParaRPr lang="ko-KR" altLang="en-US"/>
           </a:p>
@@ -5737,7 +5737,7 @@
           <a:p>
             <a:fld id="{46A2558D-9475-4DD4-8F32-96381613298F}" type="datetimeFigureOut">
               <a:rPr lang="ko-KR" altLang="en-US" smtClean="0"/>
-              <a:t>2018-12-18</a:t>
+              <a:t>2018-12-20</a:t>
             </a:fld>
             <a:endParaRPr lang="ko-KR" altLang="en-US"/>
           </a:p>
@@ -5978,7 +5978,7 @@
           <a:p>
             <a:fld id="{46A2558D-9475-4DD4-8F32-96381613298F}" type="datetimeFigureOut">
               <a:rPr lang="ko-KR" altLang="en-US" smtClean="0"/>
-              <a:t>2018-12-18</a:t>
+              <a:t>2018-12-20</a:t>
             </a:fld>
             <a:endParaRPr lang="ko-KR" altLang="en-US"/>
           </a:p>
@@ -6894,14 +6894,14 @@
           <a:p>
             <a:pPr algn="ctr"/>
             <a:r>
-              <a:rPr lang="en-US" altLang="ko-KR" sz="1500" dirty="0">
+              <a:rPr lang="en-US" altLang="ko-KR" sz="1100" dirty="0" err="1">
                 <a:solidFill>
                   <a:schemeClr val="tx1"/>
                 </a:solidFill>
               </a:rPr>
-              <a:t>Service</a:t>
-            </a:r>
-            <a:endParaRPr lang="ko-KR" altLang="en-US" sz="1500" dirty="0">
+              <a:t>PwService</a:t>
+            </a:r>
+            <a:endParaRPr lang="ko-KR" altLang="en-US" sz="1100" dirty="0">
               <a:solidFill>
                 <a:schemeClr val="tx1"/>
               </a:solidFill>
@@ -7305,12 +7305,20 @@
           </a:p>
           <a:p>
             <a:r>
+              <a:rPr lang="en-US" altLang="ko-KR" sz="1400" dirty="0" err="1">
+                <a:solidFill>
+                  <a:schemeClr val="tx1"/>
+                </a:solidFill>
+              </a:rPr>
+              <a:t>passwordChange</a:t>
+            </a:r>
+            <a:r>
               <a:rPr lang="en-US" altLang="ko-KR" sz="1400" dirty="0">
                 <a:solidFill>
                   <a:schemeClr val="tx1"/>
                 </a:solidFill>
               </a:rPr>
-              <a:t>login()</a:t>
+              <a:t>()</a:t>
             </a:r>
           </a:p>
           <a:p>
@@ -7422,8 +7430,8 @@
         </p:nvSpPr>
         <p:spPr>
           <a:xfrm>
-            <a:off x="5969578" y="4066800"/>
-            <a:ext cx="1362169" cy="338554"/>
+            <a:off x="5738748" y="4066800"/>
+            <a:ext cx="1823833" cy="338554"/>
           </a:xfrm>
           <a:prstGeom prst="rect">
             <a:avLst/>
@@ -7439,7 +7447,7 @@
             <a:pPr algn="ctr"/>
             <a:r>
               <a:rPr lang="en-US" altLang="ko-KR" sz="1600" dirty="0" err="1"/>
-              <a:t>LoginService</a:t>
+              <a:t>PwChangeService</a:t>
             </a:r>
             <a:endParaRPr lang="ko-KR" altLang="en-US" dirty="0"/>
           </a:p>
@@ -7817,8 +7825,8 @@
         </p:nvCxnSpPr>
         <p:spPr>
           <a:xfrm flipH="1">
-            <a:off x="6650663" y="3326236"/>
-            <a:ext cx="490653" cy="740564"/>
+            <a:off x="6650665" y="3326236"/>
+            <a:ext cx="490651" cy="740564"/>
           </a:xfrm>
           <a:prstGeom prst="line">
             <a:avLst/>
@@ -7858,6 +7866,7 @@
             </a:extLst>
           </p:cNvPr>
           <p:cNvCxnSpPr>
+            <a:cxnSpLocks/>
             <a:stCxn id="2" idx="3"/>
             <a:endCxn id="31" idx="1"/>
           </p:cNvCxnSpPr>
@@ -14784,50 +14793,6 @@
           </a:fontRef>
         </p:style>
       </p:cxnSp>
-      <p:cxnSp>
-        <p:nvCxnSpPr>
-          <p:cNvPr id="26" name="직선 연결선 25">
-            <a:extLst>
-              <a:ext uri="{FF2B5EF4-FFF2-40B4-BE49-F238E27FC236}">
-                <a16:creationId xmlns:a16="http://schemas.microsoft.com/office/drawing/2014/main" id="{BA17B54E-C822-4858-AA70-2A315EB356DF}"/>
-              </a:ext>
-            </a:extLst>
-          </p:cNvPr>
-          <p:cNvCxnSpPr>
-            <a:stCxn id="7" idx="3"/>
-            <a:endCxn id="17" idx="2"/>
-          </p:cNvCxnSpPr>
-          <p:nvPr/>
-        </p:nvCxnSpPr>
-        <p:spPr>
-          <a:xfrm flipV="1">
-            <a:off x="3118561" y="1992586"/>
-            <a:ext cx="1863745" cy="392442"/>
-          </a:xfrm>
-          <a:prstGeom prst="line">
-            <a:avLst/>
-          </a:prstGeom>
-          <a:ln>
-            <a:solidFill>
-              <a:schemeClr val="tx1"/>
-            </a:solidFill>
-          </a:ln>
-        </p:spPr>
-        <p:style>
-          <a:lnRef idx="1">
-            <a:schemeClr val="accent1"/>
-          </a:lnRef>
-          <a:fillRef idx="0">
-            <a:schemeClr val="accent1"/>
-          </a:fillRef>
-          <a:effectRef idx="0">
-            <a:schemeClr val="accent1"/>
-          </a:effectRef>
-          <a:fontRef idx="minor">
-            <a:schemeClr val="tx1"/>
-          </a:fontRef>
-        </p:style>
-      </p:cxnSp>
       <p:grpSp>
         <p:nvGrpSpPr>
           <p:cNvPr id="38" name="그룹 37">
@@ -15907,7 +15872,7 @@
                                 </p:cTn>
                               </p:par>
                               <p:par>
-                                <p:cTn id="37" presetID="10" presetClass="entr" presetSubtype="0" fill="hold" nodeType="withEffect">
+                                <p:cTn id="37" presetID="10" presetClass="entr" presetSubtype="0" fill="hold" grpId="0" nodeType="withEffect">
                                   <p:stCondLst>
                                     <p:cond delay="0"/>
                                   </p:stCondLst>
@@ -15915,41 +15880,6 @@
                                     <p:set>
                                       <p:cBhvr>
                                         <p:cTn id="38" dur="1" fill="hold">
-                                          <p:stCondLst>
-                                            <p:cond delay="0"/>
-                                          </p:stCondLst>
-                                        </p:cTn>
-                                        <p:tgtEl>
-                                          <p:spTgt spid="26"/>
-                                        </p:tgtEl>
-                                        <p:attrNameLst>
-                                          <p:attrName>style.visibility</p:attrName>
-                                        </p:attrNameLst>
-                                      </p:cBhvr>
-                                      <p:to>
-                                        <p:strVal val="visible"/>
-                                      </p:to>
-                                    </p:set>
-                                    <p:animEffect transition="in" filter="fade">
-                                      <p:cBhvr>
-                                        <p:cTn id="39" dur="500"/>
-                                        <p:tgtEl>
-                                          <p:spTgt spid="26"/>
-                                        </p:tgtEl>
-                                      </p:cBhvr>
-                                    </p:animEffect>
-                                  </p:childTnLst>
-                                </p:cTn>
-                              </p:par>
-                              <p:par>
-                                <p:cTn id="40" presetID="10" presetClass="entr" presetSubtype="0" fill="hold" grpId="0" nodeType="withEffect">
-                                  <p:stCondLst>
-                                    <p:cond delay="0"/>
-                                  </p:stCondLst>
-                                  <p:childTnLst>
-                                    <p:set>
-                                      <p:cBhvr>
-                                        <p:cTn id="41" dur="1" fill="hold">
                                           <p:stCondLst>
                                             <p:cond delay="0"/>
                                           </p:stCondLst>
@@ -15967,7 +15897,7 @@
                                     </p:set>
                                     <p:animEffect transition="in" filter="fade">
                                       <p:cBhvr>
-                                        <p:cTn id="42" dur="500"/>
+                                        <p:cTn id="39" dur="500"/>
                                         <p:tgtEl>
                                           <p:spTgt spid="17"/>
                                         </p:tgtEl>
@@ -15983,26 +15913,26 @@
                     </p:cTn>
                   </p:par>
                   <p:par>
-                    <p:cTn id="43" fill="hold">
+                    <p:cTn id="40" fill="hold">
                       <p:stCondLst>
                         <p:cond delay="indefinite"/>
                       </p:stCondLst>
                       <p:childTnLst>
                         <p:par>
-                          <p:cTn id="44" fill="hold">
+                          <p:cTn id="41" fill="hold">
                             <p:stCondLst>
                               <p:cond delay="0"/>
                             </p:stCondLst>
                             <p:childTnLst>
                               <p:par>
-                                <p:cTn id="45" presetID="10" presetClass="entr" presetSubtype="0" fill="hold" grpId="0" nodeType="clickEffect">
+                                <p:cTn id="42" presetID="10" presetClass="entr" presetSubtype="0" fill="hold" grpId="0" nodeType="clickEffect">
                                   <p:stCondLst>
                                     <p:cond delay="0"/>
                                   </p:stCondLst>
                                   <p:childTnLst>
                                     <p:set>
                                       <p:cBhvr>
-                                        <p:cTn id="46" dur="1" fill="hold">
+                                        <p:cTn id="43" dur="1" fill="hold">
                                           <p:stCondLst>
                                             <p:cond delay="0"/>
                                           </p:stCondLst>
@@ -16020,7 +15950,7 @@
                                     </p:set>
                                     <p:animEffect transition="in" filter="fade">
                                       <p:cBhvr>
-                                        <p:cTn id="47" dur="500"/>
+                                        <p:cTn id="44" dur="500"/>
                                         <p:tgtEl>
                                           <p:spTgt spid="18"/>
                                         </p:tgtEl>
@@ -16030,14 +15960,14 @@
                                 </p:cTn>
                               </p:par>
                               <p:par>
-                                <p:cTn id="48" presetID="10" presetClass="entr" presetSubtype="0" fill="hold" nodeType="withEffect">
+                                <p:cTn id="45" presetID="10" presetClass="entr" presetSubtype="0" fill="hold" nodeType="withEffect">
                                   <p:stCondLst>
                                     <p:cond delay="0"/>
                                   </p:stCondLst>
                                   <p:childTnLst>
                                     <p:set>
                                       <p:cBhvr>
-                                        <p:cTn id="49" dur="1" fill="hold">
+                                        <p:cTn id="46" dur="1" fill="hold">
                                           <p:stCondLst>
                                             <p:cond delay="0"/>
                                           </p:stCondLst>
@@ -16055,7 +15985,7 @@
                                     </p:set>
                                     <p:animEffect transition="in" filter="fade">
                                       <p:cBhvr>
-                                        <p:cTn id="50" dur="500"/>
+                                        <p:cTn id="47" dur="500"/>
                                         <p:tgtEl>
                                           <p:spTgt spid="24"/>
                                         </p:tgtEl>
@@ -16071,26 +16001,26 @@
                     </p:cTn>
                   </p:par>
                   <p:par>
-                    <p:cTn id="51" fill="hold">
+                    <p:cTn id="48" fill="hold">
                       <p:stCondLst>
                         <p:cond delay="indefinite"/>
                       </p:stCondLst>
                       <p:childTnLst>
                         <p:par>
-                          <p:cTn id="52" fill="hold">
+                          <p:cTn id="49" fill="hold">
                             <p:stCondLst>
                               <p:cond delay="0"/>
                             </p:stCondLst>
                             <p:childTnLst>
                               <p:par>
-                                <p:cTn id="53" presetID="10" presetClass="entr" presetSubtype="0" fill="hold" nodeType="clickEffect">
+                                <p:cTn id="50" presetID="10" presetClass="entr" presetSubtype="0" fill="hold" nodeType="clickEffect">
                                   <p:stCondLst>
                                     <p:cond delay="0"/>
                                   </p:stCondLst>
                                   <p:childTnLst>
                                     <p:set>
                                       <p:cBhvr>
-                                        <p:cTn id="54" dur="1" fill="hold">
+                                        <p:cTn id="51" dur="1" fill="hold">
                                           <p:stCondLst>
                                             <p:cond delay="0"/>
                                           </p:stCondLst>
@@ -16108,7 +16038,7 @@
                                     </p:set>
                                     <p:animEffect transition="in" filter="fade">
                                       <p:cBhvr>
-                                        <p:cTn id="55" dur="500"/>
+                                        <p:cTn id="52" dur="500"/>
                                         <p:tgtEl>
                                           <p:spTgt spid="34"/>
                                         </p:tgtEl>
@@ -16118,14 +16048,14 @@
                                 </p:cTn>
                               </p:par>
                               <p:par>
-                                <p:cTn id="56" presetID="10" presetClass="entr" presetSubtype="0" fill="hold" grpId="0" nodeType="withEffect">
+                                <p:cTn id="53" presetID="10" presetClass="entr" presetSubtype="0" fill="hold" grpId="0" nodeType="withEffect">
                                   <p:stCondLst>
                                     <p:cond delay="0"/>
                                   </p:stCondLst>
                                   <p:childTnLst>
                                     <p:set>
                                       <p:cBhvr>
-                                        <p:cTn id="57" dur="1" fill="hold">
+                                        <p:cTn id="54" dur="1" fill="hold">
                                           <p:stCondLst>
                                             <p:cond delay="0"/>
                                           </p:stCondLst>
@@ -16143,7 +16073,7 @@
                                     </p:set>
                                     <p:animEffect transition="in" filter="fade">
                                       <p:cBhvr>
-                                        <p:cTn id="58" dur="500"/>
+                                        <p:cTn id="55" dur="500"/>
                                         <p:tgtEl>
                                           <p:spTgt spid="35"/>
                                         </p:tgtEl>
@@ -16159,26 +16089,26 @@
                     </p:cTn>
                   </p:par>
                   <p:par>
-                    <p:cTn id="59" fill="hold">
+                    <p:cTn id="56" fill="hold">
                       <p:stCondLst>
                         <p:cond delay="indefinite"/>
                       </p:stCondLst>
                       <p:childTnLst>
                         <p:par>
-                          <p:cTn id="60" fill="hold">
+                          <p:cTn id="57" fill="hold">
                             <p:stCondLst>
                               <p:cond delay="0"/>
                             </p:stCondLst>
                             <p:childTnLst>
                               <p:par>
-                                <p:cTn id="61" presetID="10" presetClass="entr" presetSubtype="0" fill="hold" grpId="0" nodeType="clickEffect">
+                                <p:cTn id="58" presetID="10" presetClass="entr" presetSubtype="0" fill="hold" grpId="0" nodeType="clickEffect">
                                   <p:stCondLst>
                                     <p:cond delay="0"/>
                                   </p:stCondLst>
                                   <p:childTnLst>
                                     <p:set>
                                       <p:cBhvr>
-                                        <p:cTn id="62" dur="1" fill="hold">
+                                        <p:cTn id="59" dur="1" fill="hold">
                                           <p:stCondLst>
                                             <p:cond delay="0"/>
                                           </p:stCondLst>
@@ -16196,7 +16126,7 @@
                                     </p:set>
                                     <p:animEffect transition="in" filter="fade">
                                       <p:cBhvr>
-                                        <p:cTn id="63" dur="500"/>
+                                        <p:cTn id="60" dur="500"/>
                                         <p:tgtEl>
                                           <p:spTgt spid="37"/>
                                         </p:tgtEl>
@@ -16212,26 +16142,26 @@
                     </p:cTn>
                   </p:par>
                   <p:par>
-                    <p:cTn id="64" fill="hold">
+                    <p:cTn id="61" fill="hold">
                       <p:stCondLst>
                         <p:cond delay="indefinite"/>
                       </p:stCondLst>
                       <p:childTnLst>
                         <p:par>
-                          <p:cTn id="65" fill="hold">
+                          <p:cTn id="62" fill="hold">
                             <p:stCondLst>
                               <p:cond delay="0"/>
                             </p:stCondLst>
                             <p:childTnLst>
                               <p:par>
-                                <p:cTn id="66" presetID="10" presetClass="entr" presetSubtype="0" fill="hold" nodeType="clickEffect">
+                                <p:cTn id="63" presetID="10" presetClass="entr" presetSubtype="0" fill="hold" nodeType="clickEffect">
                                   <p:stCondLst>
                                     <p:cond delay="0"/>
                                   </p:stCondLst>
                                   <p:childTnLst>
                                     <p:set>
                                       <p:cBhvr>
-                                        <p:cTn id="67" dur="1" fill="hold">
+                                        <p:cTn id="64" dur="1" fill="hold">
                                           <p:stCondLst>
                                             <p:cond delay="0"/>
                                           </p:stCondLst>
@@ -16249,7 +16179,7 @@
                                     </p:set>
                                     <p:animEffect transition="in" filter="fade">
                                       <p:cBhvr>
-                                        <p:cTn id="68" dur="500"/>
+                                        <p:cTn id="65" dur="500"/>
                                         <p:tgtEl>
                                           <p:spTgt spid="38"/>
                                         </p:tgtEl>
@@ -16259,14 +16189,14 @@
                                 </p:cTn>
                               </p:par>
                               <p:par>
-                                <p:cTn id="69" presetID="10" presetClass="entr" presetSubtype="0" fill="hold" grpId="0" nodeType="withEffect">
+                                <p:cTn id="66" presetID="10" presetClass="entr" presetSubtype="0" fill="hold" grpId="0" nodeType="withEffect">
                                   <p:stCondLst>
                                     <p:cond delay="0"/>
                                   </p:stCondLst>
                                   <p:childTnLst>
                                     <p:set>
                                       <p:cBhvr>
-                                        <p:cTn id="70" dur="1" fill="hold">
+                                        <p:cTn id="67" dur="1" fill="hold">
                                           <p:stCondLst>
                                             <p:cond delay="0"/>
                                           </p:stCondLst>
@@ -16284,7 +16214,7 @@
                                     </p:set>
                                     <p:animEffect transition="in" filter="fade">
                                       <p:cBhvr>
-                                        <p:cTn id="71" dur="500"/>
+                                        <p:cTn id="68" dur="500"/>
                                         <p:tgtEl>
                                           <p:spTgt spid="42"/>
                                         </p:tgtEl>
@@ -16300,26 +16230,26 @@
                     </p:cTn>
                   </p:par>
                   <p:par>
-                    <p:cTn id="72" fill="hold">
+                    <p:cTn id="69" fill="hold">
                       <p:stCondLst>
                         <p:cond delay="indefinite"/>
                       </p:stCondLst>
                       <p:childTnLst>
                         <p:par>
-                          <p:cTn id="73" fill="hold">
+                          <p:cTn id="70" fill="hold">
                             <p:stCondLst>
                               <p:cond delay="0"/>
                             </p:stCondLst>
                             <p:childTnLst>
                               <p:par>
-                                <p:cTn id="74" presetID="10" presetClass="entr" presetSubtype="0" fill="hold" nodeType="clickEffect">
+                                <p:cTn id="71" presetID="10" presetClass="entr" presetSubtype="0" fill="hold" nodeType="clickEffect">
                                   <p:stCondLst>
                                     <p:cond delay="0"/>
                                   </p:stCondLst>
                                   <p:childTnLst>
                                     <p:set>
                                       <p:cBhvr>
-                                        <p:cTn id="75" dur="1" fill="hold">
+                                        <p:cTn id="72" dur="1" fill="hold">
                                           <p:stCondLst>
                                             <p:cond delay="0"/>
                                           </p:stCondLst>
@@ -16337,7 +16267,7 @@
                                     </p:set>
                                     <p:animEffect transition="in" filter="fade">
                                       <p:cBhvr>
-                                        <p:cTn id="76" dur="500"/>
+                                        <p:cTn id="73" dur="500"/>
                                         <p:tgtEl>
                                           <p:spTgt spid="47"/>
                                         </p:tgtEl>
@@ -16347,14 +16277,14 @@
                                 </p:cTn>
                               </p:par>
                               <p:par>
-                                <p:cTn id="77" presetID="10" presetClass="entr" presetSubtype="0" fill="hold" grpId="0" nodeType="withEffect">
+                                <p:cTn id="74" presetID="10" presetClass="entr" presetSubtype="0" fill="hold" grpId="0" nodeType="withEffect">
                                   <p:stCondLst>
                                     <p:cond delay="0"/>
                                   </p:stCondLst>
                                   <p:childTnLst>
                                     <p:set>
                                       <p:cBhvr>
-                                        <p:cTn id="78" dur="1" fill="hold">
+                                        <p:cTn id="75" dur="1" fill="hold">
                                           <p:stCondLst>
                                             <p:cond delay="0"/>
                                           </p:stCondLst>
@@ -16372,7 +16302,7 @@
                                     </p:set>
                                     <p:animEffect transition="in" filter="fade">
                                       <p:cBhvr>
-                                        <p:cTn id="79" dur="500"/>
+                                        <p:cTn id="76" dur="500"/>
                                         <p:tgtEl>
                                           <p:spTgt spid="43"/>
                                         </p:tgtEl>
@@ -16388,26 +16318,26 @@
                     </p:cTn>
                   </p:par>
                   <p:par>
-                    <p:cTn id="80" fill="hold">
+                    <p:cTn id="77" fill="hold">
                       <p:stCondLst>
                         <p:cond delay="indefinite"/>
                       </p:stCondLst>
                       <p:childTnLst>
                         <p:par>
-                          <p:cTn id="81" fill="hold">
+                          <p:cTn id="78" fill="hold">
                             <p:stCondLst>
                               <p:cond delay="0"/>
                             </p:stCondLst>
                             <p:childTnLst>
                               <p:par>
-                                <p:cTn id="82" presetID="10" presetClass="entr" presetSubtype="0" fill="hold" grpId="0" nodeType="clickEffect">
+                                <p:cTn id="79" presetID="10" presetClass="entr" presetSubtype="0" fill="hold" grpId="0" nodeType="clickEffect">
                                   <p:stCondLst>
                                     <p:cond delay="0"/>
                                   </p:stCondLst>
                                   <p:childTnLst>
                                     <p:set>
                                       <p:cBhvr>
-                                        <p:cTn id="83" dur="1" fill="hold">
+                                        <p:cTn id="80" dur="1" fill="hold">
                                           <p:stCondLst>
                                             <p:cond delay="0"/>
                                           </p:stCondLst>
@@ -16425,7 +16355,7 @@
                                     </p:set>
                                     <p:animEffect transition="in" filter="fade">
                                       <p:cBhvr>
-                                        <p:cTn id="84" dur="500"/>
+                                        <p:cTn id="81" dur="500"/>
                                         <p:tgtEl>
                                           <p:spTgt spid="44"/>
                                         </p:tgtEl>
@@ -16435,14 +16365,14 @@
                                 </p:cTn>
                               </p:par>
                               <p:par>
-                                <p:cTn id="85" presetID="10" presetClass="entr" presetSubtype="0" fill="hold" grpId="0" nodeType="withEffect">
+                                <p:cTn id="82" presetID="10" presetClass="entr" presetSubtype="0" fill="hold" grpId="0" nodeType="withEffect">
                                   <p:stCondLst>
                                     <p:cond delay="0"/>
                                   </p:stCondLst>
                                   <p:childTnLst>
                                     <p:set>
                                       <p:cBhvr>
-                                        <p:cTn id="86" dur="1" fill="hold">
+                                        <p:cTn id="83" dur="1" fill="hold">
                                           <p:stCondLst>
                                             <p:cond delay="0"/>
                                           </p:stCondLst>
@@ -16460,7 +16390,7 @@
                                     </p:set>
                                     <p:animEffect transition="in" filter="fade">
                                       <p:cBhvr>
-                                        <p:cTn id="87" dur="500"/>
+                                        <p:cTn id="84" dur="500"/>
                                         <p:tgtEl>
                                           <p:spTgt spid="45"/>
                                         </p:tgtEl>
@@ -16476,26 +16406,26 @@
                     </p:cTn>
                   </p:par>
                   <p:par>
-                    <p:cTn id="88" fill="hold">
+                    <p:cTn id="85" fill="hold">
                       <p:stCondLst>
                         <p:cond delay="indefinite"/>
                       </p:stCondLst>
                       <p:childTnLst>
                         <p:par>
-                          <p:cTn id="89" fill="hold">
+                          <p:cTn id="86" fill="hold">
                             <p:stCondLst>
                               <p:cond delay="0"/>
                             </p:stCondLst>
                             <p:childTnLst>
                               <p:par>
-                                <p:cTn id="90" presetID="10" presetClass="entr" presetSubtype="0" fill="hold" nodeType="clickEffect">
+                                <p:cTn id="87" presetID="10" presetClass="entr" presetSubtype="0" fill="hold" nodeType="clickEffect">
                                   <p:stCondLst>
                                     <p:cond delay="0"/>
                                   </p:stCondLst>
                                   <p:childTnLst>
                                     <p:set>
                                       <p:cBhvr>
-                                        <p:cTn id="91" dur="1" fill="hold">
+                                        <p:cTn id="88" dur="1" fill="hold">
                                           <p:stCondLst>
                                             <p:cond delay="0"/>
                                           </p:stCondLst>
@@ -16513,7 +16443,7 @@
                                     </p:set>
                                     <p:animEffect transition="in" filter="fade">
                                       <p:cBhvr>
-                                        <p:cTn id="92" dur="500"/>
+                                        <p:cTn id="89" dur="500"/>
                                         <p:tgtEl>
                                           <p:spTgt spid="58"/>
                                         </p:tgtEl>
@@ -16523,14 +16453,14 @@
                                 </p:cTn>
                               </p:par>
                               <p:par>
-                                <p:cTn id="93" presetID="10" presetClass="entr" presetSubtype="0" fill="hold" grpId="0" nodeType="withEffect">
+                                <p:cTn id="90" presetID="10" presetClass="entr" presetSubtype="0" fill="hold" grpId="0" nodeType="withEffect">
                                   <p:stCondLst>
                                     <p:cond delay="0"/>
                                   </p:stCondLst>
                                   <p:childTnLst>
                                     <p:set>
                                       <p:cBhvr>
-                                        <p:cTn id="94" dur="1" fill="hold">
+                                        <p:cTn id="91" dur="1" fill="hold">
                                           <p:stCondLst>
                                             <p:cond delay="0"/>
                                           </p:stCondLst>
@@ -16548,7 +16478,7 @@
                                     </p:set>
                                     <p:animEffect transition="in" filter="fade">
                                       <p:cBhvr>
-                                        <p:cTn id="95" dur="500"/>
+                                        <p:cTn id="92" dur="500"/>
                                         <p:tgtEl>
                                           <p:spTgt spid="67"/>
                                         </p:tgtEl>
@@ -16558,14 +16488,14 @@
                                 </p:cTn>
                               </p:par>
                               <p:par>
-                                <p:cTn id="96" presetID="10" presetClass="entr" presetSubtype="0" fill="hold" nodeType="withEffect">
+                                <p:cTn id="93" presetID="10" presetClass="entr" presetSubtype="0" fill="hold" nodeType="withEffect">
                                   <p:stCondLst>
                                     <p:cond delay="0"/>
                                   </p:stCondLst>
                                   <p:childTnLst>
                                     <p:set>
                                       <p:cBhvr>
-                                        <p:cTn id="97" dur="1" fill="hold">
+                                        <p:cTn id="94" dur="1" fill="hold">
                                           <p:stCondLst>
                                             <p:cond delay="0"/>
                                           </p:stCondLst>
@@ -16583,7 +16513,7 @@
                                     </p:set>
                                     <p:animEffect transition="in" filter="fade">
                                       <p:cBhvr>
-                                        <p:cTn id="98" dur="500"/>
+                                        <p:cTn id="95" dur="500"/>
                                         <p:tgtEl>
                                           <p:spTgt spid="63"/>
                                         </p:tgtEl>
@@ -16593,14 +16523,14 @@
                                 </p:cTn>
                               </p:par>
                               <p:par>
-                                <p:cTn id="99" presetID="10" presetClass="entr" presetSubtype="0" fill="hold" grpId="0" nodeType="withEffect">
+                                <p:cTn id="96" presetID="10" presetClass="entr" presetSubtype="0" fill="hold" grpId="0" nodeType="withEffect">
                                   <p:stCondLst>
                                     <p:cond delay="0"/>
                                   </p:stCondLst>
                                   <p:childTnLst>
                                     <p:set>
                                       <p:cBhvr>
-                                        <p:cTn id="100" dur="1" fill="hold">
+                                        <p:cTn id="97" dur="1" fill="hold">
                                           <p:stCondLst>
                                             <p:cond delay="0"/>
                                           </p:stCondLst>
@@ -16618,7 +16548,7 @@
                                     </p:set>
                                     <p:animEffect transition="in" filter="fade">
                                       <p:cBhvr>
-                                        <p:cTn id="101" dur="500"/>
+                                        <p:cTn id="98" dur="500"/>
                                         <p:tgtEl>
                                           <p:spTgt spid="62"/>
                                         </p:tgtEl>
